--- a/课程/Lesson6/课件/Lesson6.pptx
+++ b/课程/Lesson6/课件/Lesson6.pptx
@@ -667,7 +667,7 @@
           <a:p>
             <a:fld id="{530820CF-B880-4189-942D-D702A7CBA730}" type="datetimeFigureOut">
               <a:rPr lang="zh-CN" altLang="en-US" smtClean="0"/>
-              <a:t>2022/7/3</a:t>
+              <a:t>2022/7/4</a:t>
             </a:fld>
             <a:endParaRPr lang="zh-CN" altLang="en-US"/>
           </a:p>
@@ -1066,7 +1066,7 @@
           <a:p>
             <a:fld id="{530820CF-B880-4189-942D-D702A7CBA730}" type="datetimeFigureOut">
               <a:rPr lang="zh-CN" altLang="en-US" smtClean="0"/>
-              <a:t>2022/7/3</a:t>
+              <a:t>2022/7/4</a:t>
             </a:fld>
             <a:endParaRPr lang="zh-CN" altLang="en-US"/>
           </a:p>
@@ -1326,7 +1326,7 @@
           <a:p>
             <a:fld id="{530820CF-B880-4189-942D-D702A7CBA730}" type="datetimeFigureOut">
               <a:rPr lang="zh-CN" altLang="en-US" smtClean="0"/>
-              <a:t>2022/7/3</a:t>
+              <a:t>2022/7/4</a:t>
             </a:fld>
             <a:endParaRPr lang="zh-CN" altLang="en-US"/>
           </a:p>
@@ -1878,7 +1878,7 @@
           <a:p>
             <a:fld id="{530820CF-B880-4189-942D-D702A7CBA730}" type="datetimeFigureOut">
               <a:rPr lang="zh-CN" altLang="en-US" smtClean="0"/>
-              <a:t>2022/7/3</a:t>
+              <a:t>2022/7/4</a:t>
             </a:fld>
             <a:endParaRPr lang="zh-CN" altLang="en-US"/>
           </a:p>
@@ -2138,7 +2138,7 @@
           <a:p>
             <a:fld id="{530820CF-B880-4189-942D-D702A7CBA730}" type="datetimeFigureOut">
               <a:rPr lang="zh-CN" altLang="en-US" smtClean="0"/>
-              <a:t>2022/7/3</a:t>
+              <a:t>2022/7/4</a:t>
             </a:fld>
             <a:endParaRPr lang="zh-CN" altLang="en-US"/>
           </a:p>
@@ -2682,7 +2682,7 @@
           <a:p>
             <a:fld id="{530820CF-B880-4189-942D-D702A7CBA730}" type="datetimeFigureOut">
               <a:rPr lang="zh-CN" altLang="en-US" smtClean="0"/>
-              <a:t>2022/7/3</a:t>
+              <a:t>2022/7/4</a:t>
             </a:fld>
             <a:endParaRPr lang="zh-CN" altLang="en-US"/>
           </a:p>
@@ -2991,7 +2991,7 @@
           <a:p>
             <a:fld id="{530820CF-B880-4189-942D-D702A7CBA730}" type="datetimeFigureOut">
               <a:rPr lang="zh-CN" altLang="en-US" smtClean="0"/>
-              <a:t>2022/7/3</a:t>
+              <a:t>2022/7/4</a:t>
             </a:fld>
             <a:endParaRPr lang="zh-CN" altLang="en-US"/>
           </a:p>
@@ -3177,7 +3177,7 @@
           <a:p>
             <a:fld id="{530820CF-B880-4189-942D-D702A7CBA730}" type="datetimeFigureOut">
               <a:rPr lang="zh-CN" altLang="en-US" smtClean="0"/>
-              <a:t>2022/7/3</a:t>
+              <a:t>2022/7/4</a:t>
             </a:fld>
             <a:endParaRPr lang="zh-CN" altLang="en-US"/>
           </a:p>
@@ -3369,7 +3369,7 @@
           <a:p>
             <a:fld id="{530820CF-B880-4189-942D-D702A7CBA730}" type="datetimeFigureOut">
               <a:rPr lang="zh-CN" altLang="en-US" smtClean="0"/>
-              <a:t>2022/7/3</a:t>
+              <a:t>2022/7/4</a:t>
             </a:fld>
             <a:endParaRPr lang="zh-CN" altLang="en-US"/>
           </a:p>
@@ -3566,7 +3566,7 @@
           <a:p>
             <a:fld id="{530820CF-B880-4189-942D-D702A7CBA730}" type="datetimeFigureOut">
               <a:rPr lang="zh-CN" altLang="en-US" smtClean="0"/>
-              <a:t>2022/7/3</a:t>
+              <a:t>2022/7/4</a:t>
             </a:fld>
             <a:endParaRPr lang="zh-CN" altLang="en-US"/>
           </a:p>
@@ -3834,7 +3834,7 @@
           <a:p>
             <a:fld id="{530820CF-B880-4189-942D-D702A7CBA730}" type="datetimeFigureOut">
               <a:rPr lang="zh-CN" altLang="en-US" smtClean="0"/>
-              <a:t>2022/7/3</a:t>
+              <a:t>2022/7/4</a:t>
             </a:fld>
             <a:endParaRPr lang="zh-CN" altLang="en-US"/>
           </a:p>
@@ -4148,7 +4148,7 @@
           <a:p>
             <a:fld id="{530820CF-B880-4189-942D-D702A7CBA730}" type="datetimeFigureOut">
               <a:rPr lang="zh-CN" altLang="en-US" smtClean="0"/>
-              <a:t>2022/7/3</a:t>
+              <a:t>2022/7/4</a:t>
             </a:fld>
             <a:endParaRPr lang="zh-CN" altLang="en-US"/>
           </a:p>
@@ -4602,7 +4602,7 @@
           <a:p>
             <a:fld id="{530820CF-B880-4189-942D-D702A7CBA730}" type="datetimeFigureOut">
               <a:rPr lang="zh-CN" altLang="en-US" smtClean="0"/>
-              <a:t>2022/7/3</a:t>
+              <a:t>2022/7/4</a:t>
             </a:fld>
             <a:endParaRPr lang="zh-CN" altLang="en-US"/>
           </a:p>
@@ -4732,7 +4732,7 @@
           <a:p>
             <a:fld id="{530820CF-B880-4189-942D-D702A7CBA730}" type="datetimeFigureOut">
               <a:rPr lang="zh-CN" altLang="en-US" smtClean="0"/>
-              <a:t>2022/7/3</a:t>
+              <a:t>2022/7/4</a:t>
             </a:fld>
             <a:endParaRPr lang="zh-CN" altLang="en-US"/>
           </a:p>
@@ -4839,7 +4839,7 @@
           <a:p>
             <a:fld id="{530820CF-B880-4189-942D-D702A7CBA730}" type="datetimeFigureOut">
               <a:rPr lang="zh-CN" altLang="en-US" smtClean="0"/>
-              <a:t>2022/7/3</a:t>
+              <a:t>2022/7/4</a:t>
             </a:fld>
             <a:endParaRPr lang="zh-CN" altLang="en-US"/>
           </a:p>
@@ -5134,7 +5134,7 @@
           <a:p>
             <a:fld id="{530820CF-B880-4189-942D-D702A7CBA730}" type="datetimeFigureOut">
               <a:rPr lang="zh-CN" altLang="en-US" smtClean="0"/>
-              <a:t>2022/7/3</a:t>
+              <a:t>2022/7/4</a:t>
             </a:fld>
             <a:endParaRPr lang="zh-CN" altLang="en-US"/>
           </a:p>
@@ -5437,7 +5437,7 @@
           <a:p>
             <a:fld id="{530820CF-B880-4189-942D-D702A7CBA730}" type="datetimeFigureOut">
               <a:rPr lang="zh-CN" altLang="en-US" smtClean="0"/>
-              <a:t>2022/7/3</a:t>
+              <a:t>2022/7/4</a:t>
             </a:fld>
             <a:endParaRPr lang="zh-CN" altLang="en-US"/>
           </a:p>
@@ -5973,7 +5973,7 @@
           <a:p>
             <a:fld id="{530820CF-B880-4189-942D-D702A7CBA730}" type="datetimeFigureOut">
               <a:rPr lang="zh-CN" altLang="en-US" smtClean="0"/>
-              <a:t>2022/7/3</a:t>
+              <a:t>2022/7/4</a:t>
             </a:fld>
             <a:endParaRPr lang="zh-CN" altLang="en-US"/>
           </a:p>
@@ -9192,7 +9192,7 @@
         </p:spPr>
         <p:txBody>
           <a:bodyPr>
-            <a:normAutofit fontScale="85000" lnSpcReduction="20000"/>
+            <a:normAutofit fontScale="92500" lnSpcReduction="10000"/>
           </a:bodyPr>
           <a:lstStyle/>
           <a:p>
@@ -9202,33 +9202,37 @@
               <a:buChar char="Ø"/>
             </a:pPr>
             <a:r>
+              <a:rPr lang="zh-CN" altLang="en-US" dirty="0">
+                <a:latin typeface="宋体" panose="02010600030101010101" pitchFamily="2" charset="-122"/>
+                <a:ea typeface="宋体" panose="02010600030101010101" pitchFamily="2" charset="-122"/>
+              </a:rPr>
+              <a:t>头</a:t>
+            </a:r>
+            <a:r>
               <a:rPr lang="zh-CN" altLang="zh-CN" dirty="0">
                 <a:latin typeface="宋体" panose="02010600030101010101" pitchFamily="2" charset="-122"/>
                 <a:ea typeface="宋体" panose="02010600030101010101" pitchFamily="2" charset="-122"/>
               </a:rPr>
-              <a:t>需要库文件</a:t>
+              <a:t>文件</a:t>
             </a:r>
             <a:r>
               <a:rPr lang="en-US" altLang="zh-CN" dirty="0">
                 <a:latin typeface="宋体" panose="02010600030101010101" pitchFamily="2" charset="-122"/>
                 <a:ea typeface="宋体" panose="02010600030101010101" pitchFamily="2" charset="-122"/>
               </a:rPr>
-              <a:t>&lt;</a:t>
+              <a:t> </a:t>
             </a:r>
             <a:r>
               <a:rPr lang="en-US" altLang="zh-CN" dirty="0" err="1">
                 <a:latin typeface="宋体" panose="02010600030101010101" pitchFamily="2" charset="-122"/>
                 <a:ea typeface="宋体" panose="02010600030101010101" pitchFamily="2" charset="-122"/>
               </a:rPr>
-              <a:t>IRremote</a:t>
-            </a:r>
-            <a:r>
-              <a:rPr lang="en-US" altLang="zh-CN" dirty="0">
-                <a:latin typeface="宋体" panose="02010600030101010101" pitchFamily="2" charset="-122"/>
-                <a:ea typeface="宋体" panose="02010600030101010101" pitchFamily="2" charset="-122"/>
-              </a:rPr>
-              <a:t>&gt;</a:t>
-            </a:r>
+              <a:t>Irremote.h</a:t>
+            </a:r>
+            <a:endParaRPr lang="en-US" altLang="zh-CN" dirty="0">
+              <a:latin typeface="宋体" panose="02010600030101010101" pitchFamily="2" charset="-122"/>
+              <a:ea typeface="宋体" panose="02010600030101010101" pitchFamily="2" charset="-122"/>
+            </a:endParaRPr>
           </a:p>
           <a:p>
             <a:pPr>
@@ -9241,52 +9245,61 @@
                 <a:latin typeface="宋体" panose="02010600030101010101" pitchFamily="2" charset="-122"/>
                 <a:ea typeface="宋体" panose="02010600030101010101" pitchFamily="2" charset="-122"/>
               </a:rPr>
-              <a:t>IRrecv</a:t>
+              <a:t>IrReceiver.begin</a:t>
             </a:r>
             <a:r>
               <a:rPr lang="en-US" altLang="zh-CN" dirty="0">
                 <a:latin typeface="宋体" panose="02010600030101010101" pitchFamily="2" charset="-122"/>
                 <a:ea typeface="宋体" panose="02010600030101010101" pitchFamily="2" charset="-122"/>
               </a:rPr>
-              <a:t> </a:t>
-            </a:r>
-            <a:r>
-              <a:rPr lang="en-US" altLang="zh-CN" dirty="0" err="1">
+              <a:t>(pin)</a:t>
+            </a:r>
+          </a:p>
+          <a:p>
+            <a:pPr lvl="1">
+              <a:buSzPct val="100000"/>
+            </a:pPr>
+            <a:r>
+              <a:rPr lang="zh-CN" altLang="en-US" dirty="0">
                 <a:latin typeface="宋体" panose="02010600030101010101" pitchFamily="2" charset="-122"/>
                 <a:ea typeface="宋体" panose="02010600030101010101" pitchFamily="2" charset="-122"/>
               </a:rPr>
-              <a:t>irrecv</a:t>
+              <a:t>函数，</a:t>
             </a:r>
             <a:r>
               <a:rPr lang="en-US" altLang="zh-CN" dirty="0">
                 <a:latin typeface="宋体" panose="02010600030101010101" pitchFamily="2" charset="-122"/>
                 <a:ea typeface="宋体" panose="02010600030101010101" pitchFamily="2" charset="-122"/>
               </a:rPr>
-              <a:t>(pin);          </a:t>
-            </a:r>
-          </a:p>
-          <a:p>
-            <a:pPr lvl="1"/>
+              <a:t>pin </a:t>
+            </a:r>
+            <a:r>
+              <a:rPr lang="zh-CN" altLang="en-US" dirty="0">
+                <a:latin typeface="宋体" panose="02010600030101010101" pitchFamily="2" charset="-122"/>
+                <a:ea typeface="宋体" panose="02010600030101010101" pitchFamily="2" charset="-122"/>
+              </a:rPr>
+              <a:t>为</a:t>
+            </a:r>
+            <a:r>
+              <a:rPr lang="en-US" altLang="zh-CN" dirty="0">
+                <a:latin typeface="宋体" panose="02010600030101010101" pitchFamily="2" charset="-122"/>
+                <a:ea typeface="宋体" panose="02010600030101010101" pitchFamily="2" charset="-122"/>
+              </a:rPr>
+              <a:t> Arduino </a:t>
+            </a:r>
+            <a:r>
+              <a:rPr lang="zh-CN" altLang="en-US" dirty="0">
+                <a:latin typeface="宋体" panose="02010600030101010101" pitchFamily="2" charset="-122"/>
+                <a:ea typeface="宋体" panose="02010600030101010101" pitchFamily="2" charset="-122"/>
+              </a:rPr>
+              <a:t>数字</a:t>
+            </a:r>
             <a:r>
               <a:rPr lang="zh-CN" altLang="zh-CN" dirty="0">
                 <a:latin typeface="宋体" panose="02010600030101010101" pitchFamily="2" charset="-122"/>
                 <a:ea typeface="宋体" panose="02010600030101010101" pitchFamily="2" charset="-122"/>
               </a:rPr>
-              <a:t>设置</a:t>
-            </a:r>
-            <a:r>
-              <a:rPr lang="en-US" altLang="zh-CN" dirty="0">
-                <a:latin typeface="宋体" panose="02010600030101010101" pitchFamily="2" charset="-122"/>
-                <a:ea typeface="宋体" panose="02010600030101010101" pitchFamily="2" charset="-122"/>
-              </a:rPr>
-              <a:t>pin</a:t>
-            </a:r>
-            <a:r>
-              <a:rPr lang="zh-CN" altLang="zh-CN" dirty="0">
-                <a:latin typeface="宋体" panose="02010600030101010101" pitchFamily="2" charset="-122"/>
-                <a:ea typeface="宋体" panose="02010600030101010101" pitchFamily="2" charset="-122"/>
-              </a:rPr>
-              <a:t>定义的端口为红外信号接收端口</a:t>
+              <a:t>端口</a:t>
             </a:r>
           </a:p>
           <a:p>
@@ -9300,39 +9313,36 @@
                 <a:latin typeface="宋体" panose="02010600030101010101" pitchFamily="2" charset="-122"/>
                 <a:ea typeface="宋体" panose="02010600030101010101" pitchFamily="2" charset="-122"/>
               </a:rPr>
-              <a:t>decode_results</a:t>
+              <a:t>IrReceiver.decode</a:t>
             </a:r>
             <a:r>
               <a:rPr lang="en-US" altLang="zh-CN" dirty="0">
                 <a:latin typeface="宋体" panose="02010600030101010101" pitchFamily="2" charset="-122"/>
                 <a:ea typeface="宋体" panose="02010600030101010101" pitchFamily="2" charset="-122"/>
               </a:rPr>
-              <a:t> 	results;  </a:t>
+              <a:t>()</a:t>
             </a:r>
           </a:p>
           <a:p>
             <a:pPr lvl="1"/>
             <a:r>
-              <a:rPr lang="zh-CN" altLang="zh-CN" dirty="0">
+              <a:rPr lang="zh-CN" altLang="en-US" dirty="0">
                 <a:latin typeface="宋体" panose="02010600030101010101" pitchFamily="2" charset="-122"/>
                 <a:ea typeface="宋体" panose="02010600030101010101" pitchFamily="2" charset="-122"/>
               </a:rPr>
-              <a:t>定义</a:t>
+              <a:t>函数，接收到红外信号并解码，返回 </a:t>
             </a:r>
             <a:r>
               <a:rPr lang="en-US" altLang="zh-CN" dirty="0">
                 <a:latin typeface="宋体" panose="02010600030101010101" pitchFamily="2" charset="-122"/>
                 <a:ea typeface="宋体" panose="02010600030101010101" pitchFamily="2" charset="-122"/>
               </a:rPr>
-              <a:t>results</a:t>
-            </a:r>
-            <a:r>
-              <a:rPr lang="zh-CN" altLang="zh-CN" dirty="0">
-                <a:latin typeface="宋体" panose="02010600030101010101" pitchFamily="2" charset="-122"/>
-                <a:ea typeface="宋体" panose="02010600030101010101" pitchFamily="2" charset="-122"/>
-              </a:rPr>
-              <a:t>变量为红外结果存放位置</a:t>
-            </a:r>
+              <a:t>true</a:t>
+            </a:r>
+            <a:endParaRPr lang="zh-CN" altLang="zh-CN" dirty="0">
+              <a:latin typeface="宋体" panose="02010600030101010101" pitchFamily="2" charset="-122"/>
+              <a:ea typeface="宋体" panose="02010600030101010101" pitchFamily="2" charset="-122"/>
+            </a:endParaRPr>
           </a:p>
           <a:p>
             <a:pPr>
@@ -9345,14 +9355,14 @@
                 <a:latin typeface="宋体" panose="02010600030101010101" pitchFamily="2" charset="-122"/>
                 <a:ea typeface="宋体" panose="02010600030101010101" pitchFamily="2" charset="-122"/>
               </a:rPr>
-              <a:t>irrecv.enableIRIn</a:t>
+              <a:t>IrReceiver.resume</a:t>
             </a:r>
             <a:r>
               <a:rPr lang="en-US" altLang="zh-CN" dirty="0">
                 <a:latin typeface="宋体" panose="02010600030101010101" pitchFamily="2" charset="-122"/>
                 <a:ea typeface="宋体" panose="02010600030101010101" pitchFamily="2" charset="-122"/>
               </a:rPr>
-              <a:t>();         </a:t>
+              <a:t>()</a:t>
             </a:r>
           </a:p>
           <a:p>
@@ -9362,7 +9372,28 @@
                 <a:latin typeface="宋体" panose="02010600030101010101" pitchFamily="2" charset="-122"/>
                 <a:ea typeface="宋体" panose="02010600030101010101" pitchFamily="2" charset="-122"/>
               </a:rPr>
-              <a:t>启动红外解码</a:t>
+              <a:t>函数</a:t>
+            </a:r>
+            <a:r>
+              <a:rPr lang="en-US" altLang="zh-CN" dirty="0">
+                <a:latin typeface="宋体" panose="02010600030101010101" pitchFamily="2" charset="-122"/>
+                <a:ea typeface="宋体" panose="02010600030101010101" pitchFamily="2" charset="-122"/>
+              </a:rPr>
+              <a:t>,</a:t>
+            </a:r>
+            <a:r>
+              <a:rPr lang="zh-CN" altLang="zh-CN" dirty="0">
+                <a:latin typeface="宋体" panose="02010600030101010101" pitchFamily="2" charset="-122"/>
+                <a:ea typeface="宋体" panose="02010600030101010101" pitchFamily="2" charset="-122"/>
+              </a:rPr>
+              <a:t> </a:t>
+            </a:r>
+            <a:r>
+              <a:rPr lang="zh-CN" altLang="en-US" dirty="0">
+                <a:latin typeface="宋体" panose="02010600030101010101" pitchFamily="2" charset="-122"/>
+                <a:ea typeface="宋体" panose="02010600030101010101" pitchFamily="2" charset="-122"/>
+              </a:rPr>
+              <a:t>继续接收信号</a:t>
             </a:r>
           </a:p>
           <a:p>
@@ -9372,127 +9403,30 @@
               <a:buChar char="Ø"/>
             </a:pPr>
             <a:r>
-              <a:rPr lang="en-US" altLang="zh-CN" dirty="0">
-                <a:latin typeface="宋体" panose="02010600030101010101" pitchFamily="2" charset="-122"/>
-                <a:ea typeface="宋体" panose="02010600030101010101" pitchFamily="2" charset="-122"/>
-              </a:rPr>
-              <a:t>int </a:t>
-            </a:r>
-            <a:r>
               <a:rPr lang="en-US" altLang="zh-CN" dirty="0" err="1">
                 <a:latin typeface="宋体" panose="02010600030101010101" pitchFamily="2" charset="-122"/>
                 <a:ea typeface="宋体" panose="02010600030101010101" pitchFamily="2" charset="-122"/>
               </a:rPr>
-              <a:t>irrecv.decode</a:t>
-            </a:r>
-            <a:r>
-              <a:rPr lang="en-US" altLang="zh-CN" dirty="0">
+              <a:t>IrReceiver.decodedIRData.decodedRawData</a:t>
+            </a:r>
+            <a:endParaRPr lang="en-US" altLang="zh-CN" dirty="0">
+              <a:latin typeface="宋体" panose="02010600030101010101" pitchFamily="2" charset="-122"/>
+              <a:ea typeface="宋体" panose="02010600030101010101" pitchFamily="2" charset="-122"/>
+            </a:endParaRPr>
+          </a:p>
+          <a:p>
+            <a:pPr lvl="1"/>
+            <a:r>
+              <a:rPr lang="zh-CN" altLang="en-US" dirty="0">
                 <a:latin typeface="宋体" panose="02010600030101010101" pitchFamily="2" charset="-122"/>
                 <a:ea typeface="宋体" panose="02010600030101010101" pitchFamily="2" charset="-122"/>
               </a:rPr>
-              <a:t>(&amp;results)   </a:t>
-            </a:r>
-          </a:p>
-          <a:p>
-            <a:pPr lvl="1"/>
-            <a:r>
-              <a:rPr lang="zh-CN" altLang="zh-CN" dirty="0">
-                <a:latin typeface="宋体" panose="02010600030101010101" pitchFamily="2" charset="-122"/>
-                <a:ea typeface="宋体" panose="02010600030101010101" pitchFamily="2" charset="-122"/>
-              </a:rPr>
-              <a:t>判断是否已经收到编码，如果成功返回</a:t>
-            </a:r>
-            <a:r>
-              <a:rPr lang="en-US" altLang="zh-CN" dirty="0">
-                <a:latin typeface="宋体" panose="02010600030101010101" pitchFamily="2" charset="-122"/>
-                <a:ea typeface="宋体" panose="02010600030101010101" pitchFamily="2" charset="-122"/>
-              </a:rPr>
-              <a:t>1</a:t>
-            </a:r>
-            <a:r>
-              <a:rPr lang="zh-CN" altLang="zh-CN" dirty="0">
-                <a:latin typeface="宋体" panose="02010600030101010101" pitchFamily="2" charset="-122"/>
-                <a:ea typeface="宋体" panose="02010600030101010101" pitchFamily="2" charset="-122"/>
-              </a:rPr>
-              <a:t>，数据放入</a:t>
-            </a:r>
-            <a:r>
-              <a:rPr lang="en-US" altLang="zh-CN" dirty="0">
-                <a:latin typeface="宋体" panose="02010600030101010101" pitchFamily="2" charset="-122"/>
-                <a:ea typeface="宋体" panose="02010600030101010101" pitchFamily="2" charset="-122"/>
-              </a:rPr>
-              <a:t>results</a:t>
-            </a:r>
-            <a:r>
-              <a:rPr lang="zh-CN" altLang="zh-CN" dirty="0">
-                <a:latin typeface="宋体" panose="02010600030101010101" pitchFamily="2" charset="-122"/>
-                <a:ea typeface="宋体" panose="02010600030101010101" pitchFamily="2" charset="-122"/>
-              </a:rPr>
-              <a:t>变量中，失败返回</a:t>
-            </a:r>
-            <a:r>
-              <a:rPr lang="en-US" altLang="zh-CN" dirty="0">
-                <a:latin typeface="宋体" panose="02010600030101010101" pitchFamily="2" charset="-122"/>
-                <a:ea typeface="宋体" panose="02010600030101010101" pitchFamily="2" charset="-122"/>
-              </a:rPr>
-              <a:t>0</a:t>
-            </a:r>
-            <a:r>
-              <a:rPr lang="zh-CN" altLang="zh-CN" dirty="0">
-                <a:latin typeface="宋体" panose="02010600030101010101" pitchFamily="2" charset="-122"/>
-                <a:ea typeface="宋体" panose="02010600030101010101" pitchFamily="2" charset="-122"/>
-              </a:rPr>
-              <a:t>，</a:t>
-            </a:r>
-          </a:p>
-          <a:p>
-            <a:pPr>
-              <a:buSzPct val="100000"/>
-              <a:buFont typeface="Wingdings" panose="05000000000000000000" pitchFamily="2" charset="2"/>
-              <a:buChar char="Ø"/>
-            </a:pPr>
-            <a:r>
-              <a:rPr lang="en-US" altLang="zh-CN" dirty="0" err="1">
-                <a:latin typeface="宋体" panose="02010600030101010101" pitchFamily="2" charset="-122"/>
-                <a:ea typeface="宋体" panose="02010600030101010101" pitchFamily="2" charset="-122"/>
-              </a:rPr>
-              <a:t>irrecv.resume</a:t>
-            </a:r>
-            <a:r>
-              <a:rPr lang="en-US" altLang="zh-CN" dirty="0">
-                <a:latin typeface="宋体" panose="02010600030101010101" pitchFamily="2" charset="-122"/>
-                <a:ea typeface="宋体" panose="02010600030101010101" pitchFamily="2" charset="-122"/>
-              </a:rPr>
-              <a:t>()   </a:t>
-            </a:r>
-          </a:p>
-          <a:p>
-            <a:pPr lvl="1"/>
-            <a:r>
-              <a:rPr lang="zh-CN" altLang="zh-CN" dirty="0">
-                <a:latin typeface="宋体" panose="02010600030101010101" pitchFamily="2" charset="-122"/>
-                <a:ea typeface="宋体" panose="02010600030101010101" pitchFamily="2" charset="-122"/>
-              </a:rPr>
-              <a:t>一旦编码解码成功，</a:t>
-            </a:r>
-            <a:r>
-              <a:rPr lang="en-US" altLang="zh-CN" dirty="0">
-                <a:latin typeface="宋体" panose="02010600030101010101" pitchFamily="2" charset="-122"/>
-                <a:ea typeface="宋体" panose="02010600030101010101" pitchFamily="2" charset="-122"/>
-              </a:rPr>
-              <a:t>resume()</a:t>
-            </a:r>
-            <a:r>
-              <a:rPr lang="zh-CN" altLang="zh-CN" dirty="0">
-                <a:latin typeface="宋体" panose="02010600030101010101" pitchFamily="2" charset="-122"/>
-                <a:ea typeface="宋体" panose="02010600030101010101" pitchFamily="2" charset="-122"/>
-              </a:rPr>
-              <a:t>函数必须被调用来恢复接收下一次编</a:t>
-            </a:r>
-            <a:r>
-              <a:rPr lang="zh-CN" altLang="zh-CN" dirty="0"/>
-              <a:t>码</a:t>
-            </a:r>
+              <a:t>变量，按键的编码</a:t>
+            </a:r>
+            <a:endParaRPr lang="zh-CN" altLang="zh-CN" dirty="0">
+              <a:latin typeface="宋体" panose="02010600030101010101" pitchFamily="2" charset="-122"/>
+              <a:ea typeface="宋体" panose="02010600030101010101" pitchFamily="2" charset="-122"/>
+            </a:endParaRPr>
           </a:p>
         </p:txBody>
       </p:sp>
@@ -9990,11 +9924,11 @@
             </a:r>
             <a:r>
               <a:rPr lang="zh-CN" altLang="en-US" dirty="0"/>
-              <a:t>编号为</a:t>
+              <a:t>编号为 </a:t>
             </a:r>
             <a:r>
               <a:rPr lang="en-US" altLang="zh-CN" dirty="0"/>
-              <a:t>FF30CF</a:t>
+              <a:t>0xF30CFF00</a:t>
             </a:r>
           </a:p>
           <a:p>
@@ -10007,11 +9941,11 @@
             </a:r>
             <a:r>
               <a:rPr lang="zh-CN" altLang="en-US" dirty="0"/>
-              <a:t>编号为</a:t>
+              <a:t>编号为 </a:t>
             </a:r>
             <a:r>
               <a:rPr lang="en-US" altLang="zh-CN" dirty="0"/>
-              <a:t>FF18E7</a:t>
+              <a:t>0xE718FF00</a:t>
             </a:r>
           </a:p>
           <a:p>
@@ -10019,23 +9953,6 @@
               <a:buSzPct val="100000"/>
             </a:pPr>
             <a:r>
-              <a:rPr lang="en-US" altLang="zh-CN" dirty="0"/>
-              <a:t>3-</a:t>
-            </a:r>
-            <a:r>
-              <a:rPr lang="zh-CN" altLang="en-US" dirty="0"/>
-              <a:t>编号为</a:t>
-            </a:r>
-            <a:r>
-              <a:rPr lang="en-US" altLang="zh-CN" dirty="0"/>
-              <a:t>FF7A85</a:t>
-            </a:r>
-          </a:p>
-          <a:p>
-            <a:pPr>
-              <a:buSzPct val="100000"/>
-            </a:pPr>
-            <a:r>
               <a:rPr lang="zh-CN" altLang="en-US" dirty="0"/>
               <a:t>其它均为不正常信号</a:t>
             </a:r>
@@ -10044,10 +9961,10 @@
       </p:sp>
       <p:pic>
         <p:nvPicPr>
-          <p:cNvPr id="7" name="图片 6">
+          <p:cNvPr id="5" name="图片 4">
             <a:extLst>
               <a:ext uri="{FF2B5EF4-FFF2-40B4-BE49-F238E27FC236}">
-                <a16:creationId xmlns:a16="http://schemas.microsoft.com/office/drawing/2014/main" id="{6E37645F-C551-4A44-9540-B8FD4510570F}"/>
+                <a16:creationId xmlns:a16="http://schemas.microsoft.com/office/drawing/2014/main" id="{F7C1FCB9-BADE-0089-9F50-9A52537DAACA}"/>
               </a:ext>
             </a:extLst>
           </p:cNvPr>
@@ -10064,8 +9981,8 @@
         </p:blipFill>
         <p:spPr>
           <a:xfrm>
-            <a:off x="6792278" y="3171358"/>
-            <a:ext cx="3943350" cy="2324100"/>
+            <a:off x="6877686" y="7620"/>
+            <a:ext cx="3772535" cy="673100"/>
           </a:xfrm>
           <a:prstGeom prst="rect">
             <a:avLst/>
@@ -10074,10 +9991,10 @@
       </p:pic>
       <p:pic>
         <p:nvPicPr>
-          <p:cNvPr id="5" name="图片 4">
+          <p:cNvPr id="4" name="图片 3">
             <a:extLst>
               <a:ext uri="{FF2B5EF4-FFF2-40B4-BE49-F238E27FC236}">
-                <a16:creationId xmlns:a16="http://schemas.microsoft.com/office/drawing/2014/main" id="{F7C1FCB9-BADE-0089-9F50-9A52537DAACA}"/>
+                <a16:creationId xmlns:a16="http://schemas.microsoft.com/office/drawing/2014/main" id="{84315A91-DC57-AFF0-17BD-22875AA36F77}"/>
               </a:ext>
             </a:extLst>
           </p:cNvPr>
@@ -10094,8 +10011,8 @@
         </p:blipFill>
         <p:spPr>
           <a:xfrm>
-            <a:off x="6877686" y="7620"/>
-            <a:ext cx="3772535" cy="673100"/>
+            <a:off x="4805755" y="3459133"/>
+            <a:ext cx="6776646" cy="1748550"/>
           </a:xfrm>
           <a:prstGeom prst="rect">
             <a:avLst/>
